--- a/198 - All Hail the Power of Jesus Name (3rd Tune).pptx
+++ b/198 - All Hail the Power of Jesus Name (3rd Tune).pptx
@@ -245,7 +245,7 @@
           <a:p>
             <a:fld id="{32F7251A-AE54-443C-B8FE-5F636E835EBF}" type="datetimeFigureOut">
               <a:rPr lang="en-US" smtClean="0"/>
-              <a:t>5/13/2018</a:t>
+              <a:t>10/7/2018</a:t>
             </a:fld>
             <a:endParaRPr lang="en-US" dirty="0"/>
           </a:p>
@@ -413,7 +413,7 @@
           <a:p>
             <a:fld id="{32F7251A-AE54-443C-B8FE-5F636E835EBF}" type="datetimeFigureOut">
               <a:rPr lang="en-US" smtClean="0"/>
-              <a:t>5/13/2018</a:t>
+              <a:t>10/7/2018</a:t>
             </a:fld>
             <a:endParaRPr lang="en-US" dirty="0"/>
           </a:p>
@@ -591,7 +591,7 @@
           <a:p>
             <a:fld id="{32F7251A-AE54-443C-B8FE-5F636E835EBF}" type="datetimeFigureOut">
               <a:rPr lang="en-US" smtClean="0"/>
-              <a:t>5/13/2018</a:t>
+              <a:t>10/7/2018</a:t>
             </a:fld>
             <a:endParaRPr lang="en-US" dirty="0"/>
           </a:p>
@@ -759,7 +759,7 @@
           <a:p>
             <a:fld id="{32F7251A-AE54-443C-B8FE-5F636E835EBF}" type="datetimeFigureOut">
               <a:rPr lang="en-US" smtClean="0"/>
-              <a:t>5/13/2018</a:t>
+              <a:t>10/7/2018</a:t>
             </a:fld>
             <a:endParaRPr lang="en-US" dirty="0"/>
           </a:p>
@@ -1004,7 +1004,7 @@
           <a:p>
             <a:fld id="{32F7251A-AE54-443C-B8FE-5F636E835EBF}" type="datetimeFigureOut">
               <a:rPr lang="en-US" smtClean="0"/>
-              <a:t>5/13/2018</a:t>
+              <a:t>10/7/2018</a:t>
             </a:fld>
             <a:endParaRPr lang="en-US" dirty="0"/>
           </a:p>
@@ -1233,7 +1233,7 @@
           <a:p>
             <a:fld id="{32F7251A-AE54-443C-B8FE-5F636E835EBF}" type="datetimeFigureOut">
               <a:rPr lang="en-US" smtClean="0"/>
-              <a:t>5/13/2018</a:t>
+              <a:t>10/7/2018</a:t>
             </a:fld>
             <a:endParaRPr lang="en-US" dirty="0"/>
           </a:p>
@@ -1597,7 +1597,7 @@
           <a:p>
             <a:fld id="{32F7251A-AE54-443C-B8FE-5F636E835EBF}" type="datetimeFigureOut">
               <a:rPr lang="en-US" smtClean="0"/>
-              <a:t>5/13/2018</a:t>
+              <a:t>10/7/2018</a:t>
             </a:fld>
             <a:endParaRPr lang="en-US" dirty="0"/>
           </a:p>
@@ -1714,7 +1714,7 @@
           <a:p>
             <a:fld id="{32F7251A-AE54-443C-B8FE-5F636E835EBF}" type="datetimeFigureOut">
               <a:rPr lang="en-US" smtClean="0"/>
-              <a:t>5/13/2018</a:t>
+              <a:t>10/7/2018</a:t>
             </a:fld>
             <a:endParaRPr lang="en-US" dirty="0"/>
           </a:p>
@@ -1809,7 +1809,7 @@
           <a:p>
             <a:fld id="{32F7251A-AE54-443C-B8FE-5F636E835EBF}" type="datetimeFigureOut">
               <a:rPr lang="en-US" smtClean="0"/>
-              <a:t>5/13/2018</a:t>
+              <a:t>10/7/2018</a:t>
             </a:fld>
             <a:endParaRPr lang="en-US" dirty="0"/>
           </a:p>
@@ -2084,7 +2084,7 @@
           <a:p>
             <a:fld id="{32F7251A-AE54-443C-B8FE-5F636E835EBF}" type="datetimeFigureOut">
               <a:rPr lang="en-US" smtClean="0"/>
-              <a:t>5/13/2018</a:t>
+              <a:t>10/7/2018</a:t>
             </a:fld>
             <a:endParaRPr lang="en-US" dirty="0"/>
           </a:p>
@@ -2336,7 +2336,7 @@
           <a:p>
             <a:fld id="{32F7251A-AE54-443C-B8FE-5F636E835EBF}" type="datetimeFigureOut">
               <a:rPr lang="en-US" smtClean="0"/>
-              <a:t>5/13/2018</a:t>
+              <a:t>10/7/2018</a:t>
             </a:fld>
             <a:endParaRPr lang="en-US" dirty="0"/>
           </a:p>
@@ -2550,7 +2550,7 @@
           <a:p>
             <a:fld id="{32F7251A-AE54-443C-B8FE-5F636E835EBF}" type="datetimeFigureOut">
               <a:rPr lang="en-US" smtClean="0"/>
-              <a:t>5/13/2018</a:t>
+              <a:t>10/7/2018</a:t>
             </a:fld>
             <a:endParaRPr lang="en-US" dirty="0"/>
           </a:p>

--- a/198 - All Hail the Power of Jesus Name (3rd Tune).pptx
+++ b/198 - All Hail the Power of Jesus Name (3rd Tune).pptx
@@ -245,7 +245,7 @@
           <a:p>
             <a:fld id="{32F7251A-AE54-443C-B8FE-5F636E835EBF}" type="datetimeFigureOut">
               <a:rPr lang="en-US" smtClean="0"/>
-              <a:t>10/7/2018</a:t>
+              <a:t>8/2/2020</a:t>
             </a:fld>
             <a:endParaRPr lang="en-US" dirty="0"/>
           </a:p>
@@ -413,7 +413,7 @@
           <a:p>
             <a:fld id="{32F7251A-AE54-443C-B8FE-5F636E835EBF}" type="datetimeFigureOut">
               <a:rPr lang="en-US" smtClean="0"/>
-              <a:t>10/7/2018</a:t>
+              <a:t>8/2/2020</a:t>
             </a:fld>
             <a:endParaRPr lang="en-US" dirty="0"/>
           </a:p>
@@ -591,7 +591,7 @@
           <a:p>
             <a:fld id="{32F7251A-AE54-443C-B8FE-5F636E835EBF}" type="datetimeFigureOut">
               <a:rPr lang="en-US" smtClean="0"/>
-              <a:t>10/7/2018</a:t>
+              <a:t>8/2/2020</a:t>
             </a:fld>
             <a:endParaRPr lang="en-US" dirty="0"/>
           </a:p>
@@ -759,7 +759,7 @@
           <a:p>
             <a:fld id="{32F7251A-AE54-443C-B8FE-5F636E835EBF}" type="datetimeFigureOut">
               <a:rPr lang="en-US" smtClean="0"/>
-              <a:t>10/7/2018</a:t>
+              <a:t>8/2/2020</a:t>
             </a:fld>
             <a:endParaRPr lang="en-US" dirty="0"/>
           </a:p>
@@ -1004,7 +1004,7 @@
           <a:p>
             <a:fld id="{32F7251A-AE54-443C-B8FE-5F636E835EBF}" type="datetimeFigureOut">
               <a:rPr lang="en-US" smtClean="0"/>
-              <a:t>10/7/2018</a:t>
+              <a:t>8/2/2020</a:t>
             </a:fld>
             <a:endParaRPr lang="en-US" dirty="0"/>
           </a:p>
@@ -1233,7 +1233,7 @@
           <a:p>
             <a:fld id="{32F7251A-AE54-443C-B8FE-5F636E835EBF}" type="datetimeFigureOut">
               <a:rPr lang="en-US" smtClean="0"/>
-              <a:t>10/7/2018</a:t>
+              <a:t>8/2/2020</a:t>
             </a:fld>
             <a:endParaRPr lang="en-US" dirty="0"/>
           </a:p>
@@ -1597,7 +1597,7 @@
           <a:p>
             <a:fld id="{32F7251A-AE54-443C-B8FE-5F636E835EBF}" type="datetimeFigureOut">
               <a:rPr lang="en-US" smtClean="0"/>
-              <a:t>10/7/2018</a:t>
+              <a:t>8/2/2020</a:t>
             </a:fld>
             <a:endParaRPr lang="en-US" dirty="0"/>
           </a:p>
@@ -1714,7 +1714,7 @@
           <a:p>
             <a:fld id="{32F7251A-AE54-443C-B8FE-5F636E835EBF}" type="datetimeFigureOut">
               <a:rPr lang="en-US" smtClean="0"/>
-              <a:t>10/7/2018</a:t>
+              <a:t>8/2/2020</a:t>
             </a:fld>
             <a:endParaRPr lang="en-US" dirty="0"/>
           </a:p>
@@ -1809,7 +1809,7 @@
           <a:p>
             <a:fld id="{32F7251A-AE54-443C-B8FE-5F636E835EBF}" type="datetimeFigureOut">
               <a:rPr lang="en-US" smtClean="0"/>
-              <a:t>10/7/2018</a:t>
+              <a:t>8/2/2020</a:t>
             </a:fld>
             <a:endParaRPr lang="en-US" dirty="0"/>
           </a:p>
@@ -2084,7 +2084,7 @@
           <a:p>
             <a:fld id="{32F7251A-AE54-443C-B8FE-5F636E835EBF}" type="datetimeFigureOut">
               <a:rPr lang="en-US" smtClean="0"/>
-              <a:t>10/7/2018</a:t>
+              <a:t>8/2/2020</a:t>
             </a:fld>
             <a:endParaRPr lang="en-US" dirty="0"/>
           </a:p>
@@ -2336,7 +2336,7 @@
           <a:p>
             <a:fld id="{32F7251A-AE54-443C-B8FE-5F636E835EBF}" type="datetimeFigureOut">
               <a:rPr lang="en-US" smtClean="0"/>
-              <a:t>10/7/2018</a:t>
+              <a:t>8/2/2020</a:t>
             </a:fld>
             <a:endParaRPr lang="en-US" dirty="0"/>
           </a:p>
@@ -2403,7 +2403,9 @@
     <p:bg>
       <p:bgPr>
         <a:solidFill>
-          <a:srgbClr val="333333"/>
+          <a:schemeClr val="bg1">
+            <a:lumMod val="10000"/>
+          </a:schemeClr>
         </a:solidFill>
         <a:effectLst/>
       </p:bgPr>
@@ -2550,7 +2552,7 @@
           <a:p>
             <a:fld id="{32F7251A-AE54-443C-B8FE-5F636E835EBF}" type="datetimeFigureOut">
               <a:rPr lang="en-US" smtClean="0"/>
-              <a:t>10/7/2018</a:t>
+              <a:t>8/2/2020</a:t>
             </a:fld>
             <a:endParaRPr lang="en-US" dirty="0"/>
           </a:p>
@@ -3020,8 +3022,8 @@
         </p:nvSpPr>
         <p:spPr>
           <a:xfrm>
-            <a:off x="0" y="5804209"/>
-            <a:ext cx="12192000" cy="830997"/>
+            <a:off x="0" y="5927320"/>
+            <a:ext cx="12192000" cy="584775"/>
           </a:xfrm>
           <a:prstGeom prst="rect">
             <a:avLst/>
@@ -3036,10 +3038,12 @@
           <a:p>
             <a:pPr algn="ctr"/>
             <a:r>
-              <a:rPr lang="en-US" sz="4800" dirty="0">
+              <a:rPr lang="en-US" sz="3200" u="sng" dirty="0">
                 <a:solidFill>
                   <a:schemeClr val="bg1"/>
                 </a:solidFill>
+                <a:latin typeface="Assistant SemiBold" panose="00000700000000000000" pitchFamily="2" charset="-79"/>
+                <a:cs typeface="Assistant SemiBold" panose="00000700000000000000" pitchFamily="2" charset="-79"/>
               </a:rPr>
               <a:t>“All Hail the Power of Jesus’ Name”</a:t>
             </a:r>
@@ -3054,8 +3058,8 @@
         </p:nvSpPr>
         <p:spPr>
           <a:xfrm>
-            <a:off x="0" y="155249"/>
-            <a:ext cx="12192000" cy="5447645"/>
+            <a:off x="0" y="730430"/>
+            <a:ext cx="12192000" cy="4367862"/>
           </a:xfrm>
           <a:prstGeom prst="rect">
             <a:avLst/>
@@ -3070,10 +3074,12 @@
           <a:p>
             <a:pPr algn="ctr"/>
             <a:r>
-              <a:rPr lang="en-US" sz="3600" dirty="0">
+              <a:rPr lang="en-US" sz="2800" spc="50" dirty="0">
                 <a:solidFill>
                   <a:schemeClr val="bg1"/>
                 </a:solidFill>
+                <a:latin typeface="Assistant" panose="00000500000000000000" pitchFamily="2" charset="-79"/>
+                <a:cs typeface="Assistant" panose="00000500000000000000" pitchFamily="2" charset="-79"/>
               </a:rPr>
               <a:t>All hail the power of Jesus’ name!</a:t>
             </a:r>
@@ -3081,10 +3087,12 @@
           <a:p>
             <a:pPr algn="ctr"/>
             <a:r>
-              <a:rPr lang="en-US" sz="3600" dirty="0">
+              <a:rPr lang="en-US" sz="2800" spc="50" dirty="0">
                 <a:solidFill>
                   <a:schemeClr val="bg1"/>
                 </a:solidFill>
+                <a:latin typeface="Assistant" panose="00000500000000000000" pitchFamily="2" charset="-79"/>
+                <a:cs typeface="Assistant" panose="00000500000000000000" pitchFamily="2" charset="-79"/>
               </a:rPr>
               <a:t>Let angels prostrate fall;</a:t>
             </a:r>
@@ -3092,10 +3100,12 @@
           <a:p>
             <a:pPr algn="ctr"/>
             <a:r>
-              <a:rPr lang="en-US" sz="3600" dirty="0">
+              <a:rPr lang="en-US" sz="2800" spc="50" dirty="0">
                 <a:solidFill>
                   <a:schemeClr val="bg1"/>
                 </a:solidFill>
+                <a:latin typeface="Assistant" panose="00000500000000000000" pitchFamily="2" charset="-79"/>
+                <a:cs typeface="Assistant" panose="00000500000000000000" pitchFamily="2" charset="-79"/>
               </a:rPr>
               <a:t>Let angels prostrate fall;</a:t>
             </a:r>
@@ -3103,29 +3113,35 @@
           <a:p>
             <a:pPr algn="ctr"/>
             <a:r>
-              <a:rPr lang="en-US" sz="3600" dirty="0">
+              <a:rPr lang="en-US" sz="2800" spc="50" dirty="0">
                 <a:solidFill>
                   <a:schemeClr val="bg1"/>
                 </a:solidFill>
+                <a:latin typeface="Assistant" panose="00000500000000000000" pitchFamily="2" charset="-79"/>
+                <a:cs typeface="Assistant" panose="00000500000000000000" pitchFamily="2" charset="-79"/>
               </a:rPr>
               <a:t>Bring forth the royal diadem, and</a:t>
             </a:r>
           </a:p>
           <a:p>
             <a:pPr algn="ctr"/>
-            <a:endParaRPr lang="en-US" sz="3600" dirty="0">
+            <a:endParaRPr lang="en-US" sz="2800" spc="50" dirty="0">
               <a:solidFill>
                 <a:schemeClr val="bg1"/>
               </a:solidFill>
+              <a:latin typeface="Assistant" panose="00000500000000000000" pitchFamily="2" charset="-79"/>
+              <a:cs typeface="Assistant" panose="00000500000000000000" pitchFamily="2" charset="-79"/>
             </a:endParaRPr>
           </a:p>
           <a:p>
             <a:pPr algn="ctr"/>
             <a:r>
-              <a:rPr lang="en-US" sz="3600" dirty="0">
+              <a:rPr lang="en-US" sz="2800" spc="50" dirty="0">
                 <a:solidFill>
                   <a:schemeClr val="bg1"/>
                 </a:solidFill>
+                <a:latin typeface="Assistant" panose="00000500000000000000" pitchFamily="2" charset="-79"/>
+                <a:cs typeface="Assistant" panose="00000500000000000000" pitchFamily="2" charset="-79"/>
               </a:rPr>
               <a:t>Crown . . . . . . . . . . . . . . . . . . Him,</a:t>
             </a:r>
@@ -3133,10 +3149,12 @@
           <a:p>
             <a:pPr algn="ctr"/>
             <a:r>
-              <a:rPr lang="en-US" sz="2400" dirty="0">
+              <a:rPr lang="en-US" sz="2800" spc="50" dirty="0">
                 <a:solidFill>
                   <a:schemeClr val="bg1"/>
                 </a:solidFill>
+                <a:latin typeface="Assistant" panose="00000500000000000000" pitchFamily="2" charset="-79"/>
+                <a:cs typeface="Assistant" panose="00000500000000000000" pitchFamily="2" charset="-79"/>
               </a:rPr>
               <a:t>Crown Him, Crown Him, Crown Him, Crown Him,</a:t>
             </a:r>
@@ -3148,10 +3166,12 @@
               </a:lnSpc>
             </a:pPr>
             <a:r>
-              <a:rPr lang="en-US" sz="3600" dirty="0">
-                <a:solidFill>
-                  <a:srgbClr val="E1E2E1"/>
-                </a:solidFill>
+              <a:rPr lang="en-US" sz="2800" spc="50" dirty="0">
+                <a:solidFill>
+                  <a:schemeClr val="bg1"/>
+                </a:solidFill>
+                <a:latin typeface="Assistant" panose="00000500000000000000" pitchFamily="2" charset="-79"/>
+                <a:cs typeface="Assistant" panose="00000500000000000000" pitchFamily="2" charset="-79"/>
               </a:rPr>
               <a:t>Crown Him, Crown Him, Crown Him, </a:t>
             </a:r>
@@ -3163,18 +3183,15 @@
               </a:lnSpc>
             </a:pPr>
             <a:r>
-              <a:rPr lang="en-US" sz="3600" dirty="0">
-                <a:solidFill>
-                  <a:srgbClr val="E1E2E1"/>
-                </a:solidFill>
+              <a:rPr lang="en-US" sz="2800" spc="50" dirty="0">
+                <a:solidFill>
+                  <a:schemeClr val="bg1"/>
+                </a:solidFill>
+                <a:latin typeface="Assistant" panose="00000500000000000000" pitchFamily="2" charset="-79"/>
+                <a:cs typeface="Assistant" panose="00000500000000000000" pitchFamily="2" charset="-79"/>
               </a:rPr>
               <a:t>and Crown Him Lord of all!</a:t>
             </a:r>
-            <a:endParaRPr lang="en-US" sz="2400" dirty="0">
-              <a:solidFill>
-                <a:schemeClr val="bg1"/>
-              </a:solidFill>
-            </a:endParaRPr>
           </a:p>
         </p:txBody>
       </p:sp>
@@ -3273,8 +3290,8 @@
         </p:nvSpPr>
         <p:spPr>
           <a:xfrm>
-            <a:off x="0" y="5804209"/>
-            <a:ext cx="12192000" cy="830997"/>
+            <a:off x="0" y="5927320"/>
+            <a:ext cx="12192000" cy="584775"/>
           </a:xfrm>
           <a:prstGeom prst="rect">
             <a:avLst/>
@@ -3289,10 +3306,12 @@
           <a:p>
             <a:pPr algn="ctr"/>
             <a:r>
-              <a:rPr lang="en-US" sz="4800" dirty="0">
+              <a:rPr lang="en-US" sz="3200" u="sng" dirty="0">
                 <a:solidFill>
                   <a:schemeClr val="bg1"/>
                 </a:solidFill>
+                <a:latin typeface="Assistant SemiBold" panose="00000700000000000000" pitchFamily="2" charset="-79"/>
+                <a:cs typeface="Assistant SemiBold" panose="00000700000000000000" pitchFamily="2" charset="-79"/>
               </a:rPr>
               <a:t>“All Hail the Power of Jesus’ Name”</a:t>
             </a:r>
@@ -3307,8 +3326,8 @@
         </p:nvSpPr>
         <p:spPr>
           <a:xfrm>
-            <a:off x="0" y="155249"/>
-            <a:ext cx="12192000" cy="5313699"/>
+            <a:off x="0" y="730430"/>
+            <a:ext cx="12192000" cy="4367862"/>
           </a:xfrm>
           <a:prstGeom prst="rect">
             <a:avLst/>
@@ -3323,10 +3342,12 @@
           <a:p>
             <a:pPr algn="ctr"/>
             <a:r>
-              <a:rPr lang="en-US" sz="3600" dirty="0">
+              <a:rPr lang="en-US" sz="2800" spc="50" dirty="0">
                 <a:solidFill>
                   <a:schemeClr val="bg1"/>
                 </a:solidFill>
+                <a:latin typeface="Assistant" panose="00000500000000000000" pitchFamily="2" charset="-79"/>
+                <a:cs typeface="Assistant" panose="00000500000000000000" pitchFamily="2" charset="-79"/>
               </a:rPr>
               <a:t>Crown Him, ye martyrs of our God,</a:t>
             </a:r>
@@ -3334,10 +3355,12 @@
           <a:p>
             <a:pPr algn="ctr"/>
             <a:r>
-              <a:rPr lang="en-US" sz="3600" dirty="0">
+              <a:rPr lang="en-US" sz="2800" spc="50" dirty="0">
                 <a:solidFill>
                   <a:schemeClr val="bg1"/>
                 </a:solidFill>
+                <a:latin typeface="Assistant" panose="00000500000000000000" pitchFamily="2" charset="-79"/>
+                <a:cs typeface="Assistant" panose="00000500000000000000" pitchFamily="2" charset="-79"/>
               </a:rPr>
               <a:t>Who from His altar call;</a:t>
             </a:r>
@@ -3345,10 +3368,12 @@
           <a:p>
             <a:pPr algn="ctr"/>
             <a:r>
-              <a:rPr lang="en-US" sz="3600" dirty="0">
+              <a:rPr lang="en-US" sz="2800" spc="50" dirty="0">
                 <a:solidFill>
                   <a:schemeClr val="bg1"/>
                 </a:solidFill>
+                <a:latin typeface="Assistant" panose="00000500000000000000" pitchFamily="2" charset="-79"/>
+                <a:cs typeface="Assistant" panose="00000500000000000000" pitchFamily="2" charset="-79"/>
               </a:rPr>
               <a:t>Who from His altar call;</a:t>
             </a:r>
@@ -3356,29 +3381,35 @@
           <a:p>
             <a:pPr algn="ctr"/>
             <a:r>
-              <a:rPr lang="en-US" sz="3600" dirty="0">
+              <a:rPr lang="en-US" sz="2800" spc="50" dirty="0">
                 <a:solidFill>
                   <a:schemeClr val="bg1"/>
                 </a:solidFill>
+                <a:latin typeface="Assistant" panose="00000500000000000000" pitchFamily="2" charset="-79"/>
+                <a:cs typeface="Assistant" panose="00000500000000000000" pitchFamily="2" charset="-79"/>
               </a:rPr>
               <a:t>Extol the stem of Jesse’s rod, and</a:t>
             </a:r>
           </a:p>
           <a:p>
             <a:pPr algn="ctr"/>
-            <a:endParaRPr lang="en-US" sz="3600" dirty="0">
+            <a:endParaRPr lang="en-US" sz="2800" spc="50" dirty="0">
               <a:solidFill>
                 <a:schemeClr val="bg1"/>
               </a:solidFill>
+              <a:latin typeface="Assistant" panose="00000500000000000000" pitchFamily="2" charset="-79"/>
+              <a:cs typeface="Assistant" panose="00000500000000000000" pitchFamily="2" charset="-79"/>
             </a:endParaRPr>
           </a:p>
           <a:p>
             <a:pPr algn="ctr"/>
             <a:r>
-              <a:rPr lang="en-US" sz="3600" dirty="0">
+              <a:rPr lang="en-US" sz="2800" spc="50" dirty="0">
                 <a:solidFill>
                   <a:schemeClr val="bg1"/>
                 </a:solidFill>
+                <a:latin typeface="Assistant" panose="00000500000000000000" pitchFamily="2" charset="-79"/>
+                <a:cs typeface="Assistant" panose="00000500000000000000" pitchFamily="2" charset="-79"/>
               </a:rPr>
               <a:t>Crown . . . . . . . . . . . . . . . . . . Him,</a:t>
             </a:r>
@@ -3386,10 +3417,12 @@
           <a:p>
             <a:pPr algn="ctr"/>
             <a:r>
-              <a:rPr lang="en-US" sz="2400" dirty="0">
+              <a:rPr lang="en-US" sz="2800" spc="50" dirty="0">
                 <a:solidFill>
                   <a:schemeClr val="bg1"/>
                 </a:solidFill>
+                <a:latin typeface="Assistant" panose="00000500000000000000" pitchFamily="2" charset="-79"/>
+                <a:cs typeface="Assistant" panose="00000500000000000000" pitchFamily="2" charset="-79"/>
               </a:rPr>
               <a:t>Crown Him, Crown Him, Crown Him, Crown Him,</a:t>
             </a:r>
@@ -3401,10 +3434,12 @@
               </a:lnSpc>
             </a:pPr>
             <a:r>
-              <a:rPr lang="en-US" sz="3600" dirty="0">
-                <a:solidFill>
-                  <a:srgbClr val="E1E2E1"/>
-                </a:solidFill>
+              <a:rPr lang="en-US" sz="2800" spc="50" dirty="0">
+                <a:solidFill>
+                  <a:schemeClr val="bg1"/>
+                </a:solidFill>
+                <a:latin typeface="Assistant" panose="00000500000000000000" pitchFamily="2" charset="-79"/>
+                <a:cs typeface="Assistant" panose="00000500000000000000" pitchFamily="2" charset="-79"/>
               </a:rPr>
               <a:t>Crown Him, Crown Him, Crown Him, </a:t>
             </a:r>
@@ -3416,18 +3451,15 @@
               </a:lnSpc>
             </a:pPr>
             <a:r>
-              <a:rPr lang="en-US" sz="3600" dirty="0">
-                <a:solidFill>
-                  <a:srgbClr val="E1E2E1"/>
-                </a:solidFill>
+              <a:rPr lang="en-US" sz="2800" spc="50" dirty="0">
+                <a:solidFill>
+                  <a:schemeClr val="bg1"/>
+                </a:solidFill>
+                <a:latin typeface="Assistant" panose="00000500000000000000" pitchFamily="2" charset="-79"/>
+                <a:cs typeface="Assistant" panose="00000500000000000000" pitchFamily="2" charset="-79"/>
               </a:rPr>
               <a:t>and Crown Him Lord of all!</a:t>
             </a:r>
-            <a:endParaRPr lang="en-US" sz="2400" dirty="0">
-              <a:solidFill>
-                <a:schemeClr val="bg1"/>
-              </a:solidFill>
-            </a:endParaRPr>
           </a:p>
         </p:txBody>
       </p:sp>
@@ -3526,8 +3558,8 @@
         </p:nvSpPr>
         <p:spPr>
           <a:xfrm>
-            <a:off x="0" y="5804209"/>
-            <a:ext cx="12192000" cy="830997"/>
+            <a:off x="0" y="5927320"/>
+            <a:ext cx="12192000" cy="584775"/>
           </a:xfrm>
           <a:prstGeom prst="rect">
             <a:avLst/>
@@ -3542,10 +3574,12 @@
           <a:p>
             <a:pPr algn="ctr"/>
             <a:r>
-              <a:rPr lang="en-US" sz="4800" dirty="0">
+              <a:rPr lang="en-US" sz="3200" u="sng" dirty="0">
                 <a:solidFill>
                   <a:schemeClr val="bg1"/>
                 </a:solidFill>
+                <a:latin typeface="Assistant SemiBold" panose="00000700000000000000" pitchFamily="2" charset="-79"/>
+                <a:cs typeface="Assistant SemiBold" panose="00000700000000000000" pitchFamily="2" charset="-79"/>
               </a:rPr>
               <a:t>“All Hail the Power of Jesus’ Name”</a:t>
             </a:r>
@@ -3560,8 +3594,8 @@
         </p:nvSpPr>
         <p:spPr>
           <a:xfrm>
-            <a:off x="0" y="155249"/>
-            <a:ext cx="12192000" cy="5313699"/>
+            <a:off x="0" y="730430"/>
+            <a:ext cx="12192000" cy="4367862"/>
           </a:xfrm>
           <a:prstGeom prst="rect">
             <a:avLst/>
@@ -3576,10 +3610,12 @@
           <a:p>
             <a:pPr algn="ctr"/>
             <a:r>
-              <a:rPr lang="en-US" sz="3600" dirty="0">
+              <a:rPr lang="en-US" sz="2800" spc="50" dirty="0">
                 <a:solidFill>
                   <a:schemeClr val="bg1"/>
                 </a:solidFill>
+                <a:latin typeface="Assistant" panose="00000500000000000000" pitchFamily="2" charset="-79"/>
+                <a:cs typeface="Assistant" panose="00000500000000000000" pitchFamily="2" charset="-79"/>
               </a:rPr>
               <a:t>Ye chosen seed of Israel’s race,</a:t>
             </a:r>
@@ -3587,10 +3623,12 @@
           <a:p>
             <a:pPr algn="ctr"/>
             <a:r>
-              <a:rPr lang="en-US" sz="3600" dirty="0">
+              <a:rPr lang="en-US" sz="2800" spc="50" dirty="0">
                 <a:solidFill>
                   <a:schemeClr val="bg1"/>
                 </a:solidFill>
+                <a:latin typeface="Assistant" panose="00000500000000000000" pitchFamily="2" charset="-79"/>
+                <a:cs typeface="Assistant" panose="00000500000000000000" pitchFamily="2" charset="-79"/>
               </a:rPr>
               <a:t>Ye remnant weak and small,</a:t>
             </a:r>
@@ -3598,10 +3636,12 @@
           <a:p>
             <a:pPr algn="ctr"/>
             <a:r>
-              <a:rPr lang="en-US" sz="3600" dirty="0">
+              <a:rPr lang="en-US" sz="2800" spc="50" dirty="0">
                 <a:solidFill>
                   <a:schemeClr val="bg1"/>
                 </a:solidFill>
+                <a:latin typeface="Assistant" panose="00000500000000000000" pitchFamily="2" charset="-79"/>
+                <a:cs typeface="Assistant" panose="00000500000000000000" pitchFamily="2" charset="-79"/>
               </a:rPr>
               <a:t>Ye remnant weak and small,</a:t>
             </a:r>
@@ -3609,29 +3649,35 @@
           <a:p>
             <a:pPr algn="ctr"/>
             <a:r>
-              <a:rPr lang="en-US" sz="3600" dirty="0">
+              <a:rPr lang="en-US" sz="2800" spc="50" dirty="0">
                 <a:solidFill>
                   <a:schemeClr val="bg1"/>
                 </a:solidFill>
+                <a:latin typeface="Assistant" panose="00000500000000000000" pitchFamily="2" charset="-79"/>
+                <a:cs typeface="Assistant" panose="00000500000000000000" pitchFamily="2" charset="-79"/>
               </a:rPr>
               <a:t>Hail Him who saves you by His grace, and</a:t>
             </a:r>
           </a:p>
           <a:p>
             <a:pPr algn="ctr"/>
-            <a:endParaRPr lang="en-US" sz="3600" dirty="0">
+            <a:endParaRPr lang="en-US" sz="2800" spc="50" dirty="0">
               <a:solidFill>
                 <a:schemeClr val="bg1"/>
               </a:solidFill>
+              <a:latin typeface="Assistant" panose="00000500000000000000" pitchFamily="2" charset="-79"/>
+              <a:cs typeface="Assistant" panose="00000500000000000000" pitchFamily="2" charset="-79"/>
             </a:endParaRPr>
           </a:p>
           <a:p>
             <a:pPr algn="ctr"/>
             <a:r>
-              <a:rPr lang="en-US" sz="3600" dirty="0">
+              <a:rPr lang="en-US" sz="2800" spc="50" dirty="0">
                 <a:solidFill>
                   <a:schemeClr val="bg1"/>
                 </a:solidFill>
+                <a:latin typeface="Assistant" panose="00000500000000000000" pitchFamily="2" charset="-79"/>
+                <a:cs typeface="Assistant" panose="00000500000000000000" pitchFamily="2" charset="-79"/>
               </a:rPr>
               <a:t>Crown . . . . . . . . . . . . . . . . . . Him,</a:t>
             </a:r>
@@ -3639,10 +3685,12 @@
           <a:p>
             <a:pPr algn="ctr"/>
             <a:r>
-              <a:rPr lang="en-US" sz="2400" dirty="0">
+              <a:rPr lang="en-US" sz="2800" spc="50" dirty="0">
                 <a:solidFill>
                   <a:schemeClr val="bg1"/>
                 </a:solidFill>
+                <a:latin typeface="Assistant" panose="00000500000000000000" pitchFamily="2" charset="-79"/>
+                <a:cs typeface="Assistant" panose="00000500000000000000" pitchFamily="2" charset="-79"/>
               </a:rPr>
               <a:t>Crown Him, Crown Him, Crown Him, Crown Him,</a:t>
             </a:r>
@@ -3654,10 +3702,12 @@
               </a:lnSpc>
             </a:pPr>
             <a:r>
-              <a:rPr lang="en-US" sz="3600" dirty="0">
-                <a:solidFill>
-                  <a:srgbClr val="E1E2E1"/>
-                </a:solidFill>
+              <a:rPr lang="en-US" sz="2800" spc="50" dirty="0">
+                <a:solidFill>
+                  <a:schemeClr val="bg1"/>
+                </a:solidFill>
+                <a:latin typeface="Assistant" panose="00000500000000000000" pitchFamily="2" charset="-79"/>
+                <a:cs typeface="Assistant" panose="00000500000000000000" pitchFamily="2" charset="-79"/>
               </a:rPr>
               <a:t>Crown Him, Crown Him, Crown Him, </a:t>
             </a:r>
@@ -3669,18 +3719,15 @@
               </a:lnSpc>
             </a:pPr>
             <a:r>
-              <a:rPr lang="en-US" sz="3600" dirty="0">
-                <a:solidFill>
-                  <a:srgbClr val="E1E2E1"/>
-                </a:solidFill>
+              <a:rPr lang="en-US" sz="2800" spc="50" dirty="0">
+                <a:solidFill>
+                  <a:schemeClr val="bg1"/>
+                </a:solidFill>
+                <a:latin typeface="Assistant" panose="00000500000000000000" pitchFamily="2" charset="-79"/>
+                <a:cs typeface="Assistant" panose="00000500000000000000" pitchFamily="2" charset="-79"/>
               </a:rPr>
               <a:t>and Crown Him Lord of all!</a:t>
             </a:r>
-            <a:endParaRPr lang="en-US" sz="2400" dirty="0">
-              <a:solidFill>
-                <a:schemeClr val="bg1"/>
-              </a:solidFill>
-            </a:endParaRPr>
           </a:p>
         </p:txBody>
       </p:sp>
@@ -3779,8 +3826,8 @@
         </p:nvSpPr>
         <p:spPr>
           <a:xfrm>
-            <a:off x="0" y="5804209"/>
-            <a:ext cx="12192000" cy="830997"/>
+            <a:off x="0" y="5927320"/>
+            <a:ext cx="12192000" cy="584775"/>
           </a:xfrm>
           <a:prstGeom prst="rect">
             <a:avLst/>
@@ -3795,10 +3842,12 @@
           <a:p>
             <a:pPr algn="ctr"/>
             <a:r>
-              <a:rPr lang="en-US" sz="4800" dirty="0">
+              <a:rPr lang="en-US" sz="3200" u="sng" dirty="0">
                 <a:solidFill>
                   <a:schemeClr val="bg1"/>
                 </a:solidFill>
+                <a:latin typeface="Assistant SemiBold" panose="00000700000000000000" pitchFamily="2" charset="-79"/>
+                <a:cs typeface="Assistant SemiBold" panose="00000700000000000000" pitchFamily="2" charset="-79"/>
               </a:rPr>
               <a:t>“All Hail the Power of Jesus’ Name”</a:t>
             </a:r>
@@ -3813,8 +3862,8 @@
         </p:nvSpPr>
         <p:spPr>
           <a:xfrm>
-            <a:off x="0" y="155249"/>
-            <a:ext cx="12192000" cy="5313699"/>
+            <a:off x="0" y="834774"/>
+            <a:ext cx="12192000" cy="4367862"/>
           </a:xfrm>
           <a:prstGeom prst="rect">
             <a:avLst/>
@@ -3829,10 +3878,12 @@
           <a:p>
             <a:pPr algn="ctr"/>
             <a:r>
-              <a:rPr lang="en-US" sz="3600" dirty="0">
+              <a:rPr lang="en-US" sz="2800" spc="50" dirty="0">
                 <a:solidFill>
                   <a:schemeClr val="bg1"/>
                 </a:solidFill>
+                <a:latin typeface="Assistant" panose="00000500000000000000" pitchFamily="2" charset="-79"/>
+                <a:cs typeface="Assistant" panose="00000500000000000000" pitchFamily="2" charset="-79"/>
               </a:rPr>
               <a:t>Let every kindred, every tribe</a:t>
             </a:r>
@@ -3840,10 +3891,12 @@
           <a:p>
             <a:pPr algn="ctr"/>
             <a:r>
-              <a:rPr lang="en-US" sz="3600" dirty="0">
+              <a:rPr lang="en-US" sz="2800" spc="50" dirty="0">
                 <a:solidFill>
                   <a:schemeClr val="bg1"/>
                 </a:solidFill>
+                <a:latin typeface="Assistant" panose="00000500000000000000" pitchFamily="2" charset="-79"/>
+                <a:cs typeface="Assistant" panose="00000500000000000000" pitchFamily="2" charset="-79"/>
               </a:rPr>
               <a:t>On this terrestrial ball,</a:t>
             </a:r>
@@ -3851,10 +3904,12 @@
           <a:p>
             <a:pPr algn="ctr"/>
             <a:r>
-              <a:rPr lang="en-US" sz="3600" dirty="0">
+              <a:rPr lang="en-US" sz="2800" spc="50" dirty="0">
                 <a:solidFill>
                   <a:schemeClr val="bg1"/>
                 </a:solidFill>
+                <a:latin typeface="Assistant" panose="00000500000000000000" pitchFamily="2" charset="-79"/>
+                <a:cs typeface="Assistant" panose="00000500000000000000" pitchFamily="2" charset="-79"/>
               </a:rPr>
               <a:t>On this terrestrial ball,</a:t>
             </a:r>
@@ -3862,29 +3917,35 @@
           <a:p>
             <a:pPr algn="ctr"/>
             <a:r>
-              <a:rPr lang="en-US" sz="3600" dirty="0">
+              <a:rPr lang="en-US" sz="2800" spc="50" dirty="0">
                 <a:solidFill>
                   <a:schemeClr val="bg1"/>
                 </a:solidFill>
+                <a:latin typeface="Assistant" panose="00000500000000000000" pitchFamily="2" charset="-79"/>
+                <a:cs typeface="Assistant" panose="00000500000000000000" pitchFamily="2" charset="-79"/>
               </a:rPr>
               <a:t>To Him all majesty ascribe, and</a:t>
             </a:r>
           </a:p>
           <a:p>
             <a:pPr algn="ctr"/>
-            <a:endParaRPr lang="en-US" sz="3600" dirty="0">
+            <a:endParaRPr lang="en-US" sz="2800" spc="50" dirty="0">
               <a:solidFill>
                 <a:schemeClr val="bg1"/>
               </a:solidFill>
+              <a:latin typeface="Assistant" panose="00000500000000000000" pitchFamily="2" charset="-79"/>
+              <a:cs typeface="Assistant" panose="00000500000000000000" pitchFamily="2" charset="-79"/>
             </a:endParaRPr>
           </a:p>
           <a:p>
             <a:pPr algn="ctr"/>
             <a:r>
-              <a:rPr lang="en-US" sz="3600" dirty="0">
+              <a:rPr lang="en-US" sz="2800" spc="50" dirty="0">
                 <a:solidFill>
                   <a:schemeClr val="bg1"/>
                 </a:solidFill>
+                <a:latin typeface="Assistant" panose="00000500000000000000" pitchFamily="2" charset="-79"/>
+                <a:cs typeface="Assistant" panose="00000500000000000000" pitchFamily="2" charset="-79"/>
               </a:rPr>
               <a:t>Crown . . . . . . . . . . . . . . . . . . Him,</a:t>
             </a:r>
@@ -3892,10 +3953,12 @@
           <a:p>
             <a:pPr algn="ctr"/>
             <a:r>
-              <a:rPr lang="en-US" sz="2400" dirty="0">
+              <a:rPr lang="en-US" sz="2800" spc="50" dirty="0">
                 <a:solidFill>
                   <a:schemeClr val="bg1"/>
                 </a:solidFill>
+                <a:latin typeface="Assistant" panose="00000500000000000000" pitchFamily="2" charset="-79"/>
+                <a:cs typeface="Assistant" panose="00000500000000000000" pitchFamily="2" charset="-79"/>
               </a:rPr>
               <a:t>Crown Him, Crown Him, Crown Him, Crown Him,</a:t>
             </a:r>
@@ -3907,10 +3970,12 @@
               </a:lnSpc>
             </a:pPr>
             <a:r>
-              <a:rPr lang="en-US" sz="3600" dirty="0">
-                <a:solidFill>
-                  <a:srgbClr val="E1E2E1"/>
-                </a:solidFill>
+              <a:rPr lang="en-US" sz="2800" spc="50" dirty="0">
+                <a:solidFill>
+                  <a:schemeClr val="bg1"/>
+                </a:solidFill>
+                <a:latin typeface="Assistant" panose="00000500000000000000" pitchFamily="2" charset="-79"/>
+                <a:cs typeface="Assistant" panose="00000500000000000000" pitchFamily="2" charset="-79"/>
               </a:rPr>
               <a:t>Crown Him, Crown Him, Crown Him, </a:t>
             </a:r>
@@ -3922,18 +3987,15 @@
               </a:lnSpc>
             </a:pPr>
             <a:r>
-              <a:rPr lang="en-US" sz="3600" dirty="0">
-                <a:solidFill>
-                  <a:srgbClr val="E1E2E1"/>
-                </a:solidFill>
+              <a:rPr lang="en-US" sz="2800" spc="50" dirty="0">
+                <a:solidFill>
+                  <a:schemeClr val="bg1"/>
+                </a:solidFill>
+                <a:latin typeface="Assistant" panose="00000500000000000000" pitchFamily="2" charset="-79"/>
+                <a:cs typeface="Assistant" panose="00000500000000000000" pitchFamily="2" charset="-79"/>
               </a:rPr>
               <a:t>and Crown Him Lord of all!</a:t>
             </a:r>
-            <a:endParaRPr lang="en-US" sz="2400" dirty="0">
-              <a:solidFill>
-                <a:schemeClr val="bg1"/>
-              </a:solidFill>
-            </a:endParaRPr>
           </a:p>
         </p:txBody>
       </p:sp>
@@ -4032,8 +4094,8 @@
         </p:nvSpPr>
         <p:spPr>
           <a:xfrm>
-            <a:off x="0" y="5804209"/>
-            <a:ext cx="12192000" cy="830997"/>
+            <a:off x="0" y="5927320"/>
+            <a:ext cx="12192000" cy="584775"/>
           </a:xfrm>
           <a:prstGeom prst="rect">
             <a:avLst/>
@@ -4048,10 +4110,12 @@
           <a:p>
             <a:pPr algn="ctr"/>
             <a:r>
-              <a:rPr lang="en-US" sz="4800" dirty="0">
+              <a:rPr lang="en-US" sz="3200" u="sng" dirty="0">
                 <a:solidFill>
                   <a:schemeClr val="bg1"/>
                 </a:solidFill>
+                <a:latin typeface="Assistant SemiBold" panose="00000700000000000000" pitchFamily="2" charset="-79"/>
+                <a:cs typeface="Assistant SemiBold" panose="00000700000000000000" pitchFamily="2" charset="-79"/>
               </a:rPr>
               <a:t>“All Hail the Power of Jesus’ Name”</a:t>
             </a:r>
@@ -4066,8 +4130,8 @@
         </p:nvSpPr>
         <p:spPr>
           <a:xfrm>
-            <a:off x="0" y="155249"/>
-            <a:ext cx="12192000" cy="5313699"/>
+            <a:off x="0" y="834774"/>
+            <a:ext cx="12192000" cy="4367862"/>
           </a:xfrm>
           <a:prstGeom prst="rect">
             <a:avLst/>
@@ -4082,10 +4146,12 @@
           <a:p>
             <a:pPr algn="ctr"/>
             <a:r>
-              <a:rPr lang="en-US" sz="3600" dirty="0">
+              <a:rPr lang="en-US" sz="2800" spc="50" dirty="0">
                 <a:solidFill>
                   <a:schemeClr val="bg1"/>
                 </a:solidFill>
+                <a:latin typeface="Assistant" panose="00000500000000000000" pitchFamily="2" charset="-79"/>
+                <a:cs typeface="Assistant" panose="00000500000000000000" pitchFamily="2" charset="-79"/>
               </a:rPr>
               <a:t>Oh, that with yonder sacred throng</a:t>
             </a:r>
@@ -4093,10 +4159,12 @@
           <a:p>
             <a:pPr algn="ctr"/>
             <a:r>
-              <a:rPr lang="en-US" sz="3600" dirty="0">
+              <a:rPr lang="en-US" sz="2800" spc="50" dirty="0">
                 <a:solidFill>
                   <a:schemeClr val="bg1"/>
                 </a:solidFill>
+                <a:latin typeface="Assistant" panose="00000500000000000000" pitchFamily="2" charset="-79"/>
+                <a:cs typeface="Assistant" panose="00000500000000000000" pitchFamily="2" charset="-79"/>
               </a:rPr>
               <a:t>We at His feet may fall!</a:t>
             </a:r>
@@ -4104,10 +4172,12 @@
           <a:p>
             <a:pPr algn="ctr"/>
             <a:r>
-              <a:rPr lang="en-US" sz="3600" dirty="0">
+              <a:rPr lang="en-US" sz="2800" spc="50" dirty="0">
                 <a:solidFill>
                   <a:schemeClr val="bg1"/>
                 </a:solidFill>
+                <a:latin typeface="Assistant" panose="00000500000000000000" pitchFamily="2" charset="-79"/>
+                <a:cs typeface="Assistant" panose="00000500000000000000" pitchFamily="2" charset="-79"/>
               </a:rPr>
               <a:t>We at His feet may fall!</a:t>
             </a:r>
@@ -4115,29 +4185,35 @@
           <a:p>
             <a:pPr algn="ctr"/>
             <a:r>
-              <a:rPr lang="en-US" sz="3600" dirty="0">
+              <a:rPr lang="en-US" sz="2800" spc="50" dirty="0">
                 <a:solidFill>
                   <a:schemeClr val="bg1"/>
                 </a:solidFill>
+                <a:latin typeface="Assistant" panose="00000500000000000000" pitchFamily="2" charset="-79"/>
+                <a:cs typeface="Assistant" panose="00000500000000000000" pitchFamily="2" charset="-79"/>
               </a:rPr>
               <a:t>We’ll join the everlasting song, and</a:t>
             </a:r>
           </a:p>
           <a:p>
             <a:pPr algn="ctr"/>
-            <a:endParaRPr lang="en-US" sz="3600" dirty="0">
+            <a:endParaRPr lang="en-US" sz="2800" spc="50" dirty="0">
               <a:solidFill>
                 <a:schemeClr val="bg1"/>
               </a:solidFill>
+              <a:latin typeface="Assistant" panose="00000500000000000000" pitchFamily="2" charset="-79"/>
+              <a:cs typeface="Assistant" panose="00000500000000000000" pitchFamily="2" charset="-79"/>
             </a:endParaRPr>
           </a:p>
           <a:p>
             <a:pPr algn="ctr"/>
             <a:r>
-              <a:rPr lang="en-US" sz="3600" dirty="0">
+              <a:rPr lang="en-US" sz="2800" spc="50" dirty="0">
                 <a:solidFill>
                   <a:schemeClr val="bg1"/>
                 </a:solidFill>
+                <a:latin typeface="Assistant" panose="00000500000000000000" pitchFamily="2" charset="-79"/>
+                <a:cs typeface="Assistant" panose="00000500000000000000" pitchFamily="2" charset="-79"/>
               </a:rPr>
               <a:t>Crown . . . . . . . . . . . . . . . . . . Him,</a:t>
             </a:r>
@@ -4145,10 +4221,12 @@
           <a:p>
             <a:pPr algn="ctr"/>
             <a:r>
-              <a:rPr lang="en-US" sz="2400" dirty="0">
+              <a:rPr lang="en-US" sz="2800" spc="50" dirty="0">
                 <a:solidFill>
                   <a:schemeClr val="bg1"/>
                 </a:solidFill>
+                <a:latin typeface="Assistant" panose="00000500000000000000" pitchFamily="2" charset="-79"/>
+                <a:cs typeface="Assistant" panose="00000500000000000000" pitchFamily="2" charset="-79"/>
               </a:rPr>
               <a:t>Crown Him, Crown Him, Crown Him, Crown Him,</a:t>
             </a:r>
@@ -4160,10 +4238,12 @@
               </a:lnSpc>
             </a:pPr>
             <a:r>
-              <a:rPr lang="en-US" sz="3600" dirty="0">
-                <a:solidFill>
-                  <a:srgbClr val="E1E2E1"/>
-                </a:solidFill>
+              <a:rPr lang="en-US" sz="2800" spc="50" dirty="0">
+                <a:solidFill>
+                  <a:schemeClr val="bg1"/>
+                </a:solidFill>
+                <a:latin typeface="Assistant" panose="00000500000000000000" pitchFamily="2" charset="-79"/>
+                <a:cs typeface="Assistant" panose="00000500000000000000" pitchFamily="2" charset="-79"/>
               </a:rPr>
               <a:t>Crown Him, Crown Him, Crown Him, </a:t>
             </a:r>
@@ -4175,18 +4255,15 @@
               </a:lnSpc>
             </a:pPr>
             <a:r>
-              <a:rPr lang="en-US" sz="3600" dirty="0">
-                <a:solidFill>
-                  <a:srgbClr val="E1E2E1"/>
-                </a:solidFill>
+              <a:rPr lang="en-US" sz="2800" spc="50" dirty="0">
+                <a:solidFill>
+                  <a:schemeClr val="bg1"/>
+                </a:solidFill>
+                <a:latin typeface="Assistant" panose="00000500000000000000" pitchFamily="2" charset="-79"/>
+                <a:cs typeface="Assistant" panose="00000500000000000000" pitchFamily="2" charset="-79"/>
               </a:rPr>
               <a:t>and Crown Him Lord of all!</a:t>
             </a:r>
-            <a:endParaRPr lang="en-US" sz="2400" dirty="0">
-              <a:solidFill>
-                <a:schemeClr val="bg1"/>
-              </a:solidFill>
-            </a:endParaRPr>
           </a:p>
         </p:txBody>
       </p:sp>
